--- a/lesson16.pptx
+++ b/lesson16.pptx
@@ -178,6 +178,38 @@
       </pc:sldChg>
     </pc:docChg>
   </pc:docChgLst>
+  <pc:docChgLst>
+    <pc:chgData name="Anatoliy Kigel" userId="7432c6c4687b0a9c" providerId="LiveId" clId="{5912E090-928A-41FA-9FD3-E55F6077F414}"/>
+    <pc:docChg chg="modSld">
+      <pc:chgData name="Anatoliy Kigel" userId="7432c6c4687b0a9c" providerId="LiveId" clId="{5912E090-928A-41FA-9FD3-E55F6077F414}" dt="2021-02-18T10:30:09.219" v="4" actId="1036"/>
+      <pc:docMkLst>
+        <pc:docMk/>
+      </pc:docMkLst>
+      <pc:sldChg chg="modSp mod">
+        <pc:chgData name="Anatoliy Kigel" userId="7432c6c4687b0a9c" providerId="LiveId" clId="{5912E090-928A-41FA-9FD3-E55F6077F414}" dt="2021-02-18T10:30:09.219" v="4" actId="1036"/>
+        <pc:sldMkLst>
+          <pc:docMk/>
+          <pc:sldMk cId="2572114740" sldId="528"/>
+        </pc:sldMkLst>
+        <pc:spChg chg="mod">
+          <ac:chgData name="Anatoliy Kigel" userId="7432c6c4687b0a9c" providerId="LiveId" clId="{5912E090-928A-41FA-9FD3-E55F6077F414}" dt="2021-02-18T10:30:09.219" v="4" actId="1036"/>
+          <ac:spMkLst>
+            <pc:docMk/>
+            <pc:sldMk cId="2572114740" sldId="528"/>
+            <ac:spMk id="2" creationId="{00000000-0000-0000-0000-000000000000}"/>
+          </ac:spMkLst>
+        </pc:spChg>
+        <pc:spChg chg="mod">
+          <ac:chgData name="Anatoliy Kigel" userId="7432c6c4687b0a9c" providerId="LiveId" clId="{5912E090-928A-41FA-9FD3-E55F6077F414}" dt="2021-02-18T10:30:08.224" v="2" actId="1036"/>
+          <ac:spMkLst>
+            <pc:docMk/>
+            <pc:sldMk cId="2572114740" sldId="528"/>
+            <ac:spMk id="8" creationId="{00000000-0000-0000-0000-000000000000}"/>
+          </ac:spMkLst>
+        </pc:spChg>
+      </pc:sldChg>
+    </pc:docChg>
+  </pc:docChgLst>
 </pc:chgInfo>
 </file>
 
@@ -264,7 +296,7 @@
             <a:fld id="{85522811-C5C6-42D2-A409-F8556720C93F}" type="datetimeFigureOut">
               <a:rPr lang="uk-UA" smtClean="0"/>
               <a:pPr/>
-              <a:t>13.02.2021</a:t>
+              <a:t>18.02.2021</a:t>
             </a:fld>
             <a:endParaRPr lang="uk-UA" dirty="0"/>
           </a:p>
@@ -894,7 +926,7 @@
             <a:fld id="{0A2E6AC4-C3FE-4E70-88D1-136405B25267}" type="datetime1">
               <a:rPr lang="uk-UA" smtClean="0"/>
               <a:pPr/>
-              <a:t>13.02.2021</a:t>
+              <a:t>18.02.2021</a:t>
             </a:fld>
             <a:endParaRPr lang="uk-UA" dirty="0"/>
           </a:p>
@@ -1061,7 +1093,7 @@
             <a:fld id="{B4D85949-5AE9-41F1-B18C-DA1006B0E8CC}" type="datetime1">
               <a:rPr lang="uk-UA" smtClean="0"/>
               <a:pPr/>
-              <a:t>13.02.2021</a:t>
+              <a:t>18.02.2021</a:t>
             </a:fld>
             <a:endParaRPr lang="uk-UA" dirty="0"/>
           </a:p>
@@ -1238,7 +1270,7 @@
             <a:fld id="{B20C227C-94C5-4BA1-A89C-1C7570144B22}" type="datetime1">
               <a:rPr lang="uk-UA" smtClean="0"/>
               <a:pPr/>
-              <a:t>13.02.2021</a:t>
+              <a:t>18.02.2021</a:t>
             </a:fld>
             <a:endParaRPr lang="uk-UA" dirty="0"/>
           </a:p>
@@ -1405,7 +1437,7 @@
             <a:fld id="{68E2E168-B245-4D8D-8538-B29990DBF87B}" type="datetime1">
               <a:rPr lang="uk-UA" smtClean="0"/>
               <a:pPr/>
-              <a:t>13.02.2021</a:t>
+              <a:t>18.02.2021</a:t>
             </a:fld>
             <a:endParaRPr lang="uk-UA" dirty="0"/>
           </a:p>
@@ -1648,7 +1680,7 @@
             <a:fld id="{356DAF6E-7007-4E61-B36E-794BF232B234}" type="datetime1">
               <a:rPr lang="uk-UA" smtClean="0"/>
               <a:pPr/>
-              <a:t>13.02.2021</a:t>
+              <a:t>18.02.2021</a:t>
             </a:fld>
             <a:endParaRPr lang="uk-UA" dirty="0"/>
           </a:p>
@@ -1933,7 +1965,7 @@
             <a:fld id="{4B2141DD-FE72-44AA-B946-B70892F1F5B7}" type="datetime1">
               <a:rPr lang="uk-UA" smtClean="0"/>
               <a:pPr/>
-              <a:t>13.02.2021</a:t>
+              <a:t>18.02.2021</a:t>
             </a:fld>
             <a:endParaRPr lang="uk-UA" dirty="0"/>
           </a:p>
@@ -2352,7 +2384,7 @@
             <a:fld id="{D1C4DC7C-6CC4-4D1F-A21B-A650800E0532}" type="datetime1">
               <a:rPr lang="uk-UA" smtClean="0"/>
               <a:pPr/>
-              <a:t>13.02.2021</a:t>
+              <a:t>18.02.2021</a:t>
             </a:fld>
             <a:endParaRPr lang="uk-UA" dirty="0"/>
           </a:p>
@@ -2467,7 +2499,7 @@
             <a:fld id="{09E753FA-BE70-4E9D-A1A2-A798C2E22C2C}" type="datetime1">
               <a:rPr lang="uk-UA" smtClean="0"/>
               <a:pPr/>
-              <a:t>13.02.2021</a:t>
+              <a:t>18.02.2021</a:t>
             </a:fld>
             <a:endParaRPr lang="uk-UA" dirty="0"/>
           </a:p>
@@ -2559,7 +2591,7 @@
             <a:fld id="{BC4E9D1B-A194-48C6-B5A1-4C29D0F81227}" type="datetime1">
               <a:rPr lang="uk-UA" smtClean="0"/>
               <a:pPr/>
-              <a:t>13.02.2021</a:t>
+              <a:t>18.02.2021</a:t>
             </a:fld>
             <a:endParaRPr lang="uk-UA" dirty="0"/>
           </a:p>
@@ -2833,7 +2865,7 @@
             <a:fld id="{98DC5B78-3AEE-4E8C-84A2-DF8B252C6B7D}" type="datetime1">
               <a:rPr lang="uk-UA" smtClean="0"/>
               <a:pPr/>
-              <a:t>13.02.2021</a:t>
+              <a:t>18.02.2021</a:t>
             </a:fld>
             <a:endParaRPr lang="uk-UA" dirty="0"/>
           </a:p>
@@ -3083,7 +3115,7 @@
             <a:fld id="{08E6AC05-7690-4D29-B090-15CFA8055B58}" type="datetime1">
               <a:rPr lang="uk-UA" smtClean="0"/>
               <a:pPr/>
-              <a:t>13.02.2021</a:t>
+              <a:t>18.02.2021</a:t>
             </a:fld>
             <a:endParaRPr lang="uk-UA" dirty="0"/>
           </a:p>
@@ -3293,7 +3325,7 @@
             <a:fld id="{C4778AB5-85A2-4D58-9351-A198925B541D}" type="datetime1">
               <a:rPr lang="uk-UA" smtClean="0"/>
               <a:pPr/>
-              <a:t>13.02.2021</a:t>
+              <a:t>18.02.2021</a:t>
             </a:fld>
             <a:endParaRPr lang="uk-UA" dirty="0"/>
           </a:p>
@@ -5481,8 +5513,8 @@
         </p:nvSpPr>
         <p:spPr>
           <a:xfrm>
-            <a:off x="0" y="5047436"/>
-            <a:ext cx="12192000" cy="1169551"/>
+            <a:off x="0" y="5138608"/>
+            <a:ext cx="12192000" cy="738664"/>
           </a:xfrm>
           <a:prstGeom prst="rect">
             <a:avLst/>
@@ -5517,46 +5549,6 @@
               <a:t> оптимизация </a:t>
             </a:r>
           </a:p>
-          <a:p>
-            <a:pPr algn="ctr"/>
-            <a:r>
-              <a:rPr lang="ru-RU" sz="2800" b="1" dirty="0">
-                <a:solidFill>
-                  <a:schemeClr val="bg1">
-                    <a:lumMod val="65000"/>
-                  </a:schemeClr>
-                </a:solidFill>
-              </a:rPr>
-              <a:t>(</a:t>
-            </a:r>
-            <a:r>
-              <a:rPr lang="ru-RU" sz="2800" b="1" i="1" dirty="0">
-                <a:solidFill>
-                  <a:schemeClr val="bg1">
-                    <a:lumMod val="65000"/>
-                  </a:schemeClr>
-                </a:solidFill>
-              </a:rPr>
-              <a:t>детальнее по ходу курса</a:t>
-            </a:r>
-            <a:r>
-              <a:rPr lang="ru-RU" sz="2800" b="1" dirty="0">
-                <a:solidFill>
-                  <a:schemeClr val="bg1">
-                    <a:lumMod val="65000"/>
-                  </a:schemeClr>
-                </a:solidFill>
-              </a:rPr>
-              <a:t>)</a:t>
-            </a:r>
-            <a:endParaRPr lang="en-US" sz="1400" b="1" dirty="0">
-              <a:solidFill>
-                <a:schemeClr val="bg1">
-                  <a:lumMod val="65000"/>
-                </a:schemeClr>
-              </a:solidFill>
-            </a:endParaRPr>
-          </a:p>
         </p:txBody>
       </p:sp>
       <p:sp>
@@ -5567,7 +5559,7 @@
         </p:nvSpPr>
         <p:spPr>
           <a:xfrm>
-            <a:off x="0" y="3789040"/>
+            <a:off x="0" y="3915053"/>
             <a:ext cx="12192000" cy="954107"/>
           </a:xfrm>
           <a:prstGeom prst="rect">
